--- a/osi-and-tcp.pptx
+++ b/osi-and-tcp.pptx
@@ -270,7 +270,7 @@
           <a:p>
             <a:fld id="{A7CD0BA5-2B16-40FD-AE34-696ED7A81F8D}" type="datetimeFigureOut">
               <a:rPr lang="ko-KR" altLang="en-US" smtClean="0"/>
-              <a:t>2020-07-12</a:t>
+              <a:t>2020-07-13</a:t>
             </a:fld>
             <a:endParaRPr lang="ko-KR" altLang="en-US"/>
           </a:p>
@@ -468,7 +468,7 @@
           <a:p>
             <a:fld id="{A7CD0BA5-2B16-40FD-AE34-696ED7A81F8D}" type="datetimeFigureOut">
               <a:rPr lang="ko-KR" altLang="en-US" smtClean="0"/>
-              <a:t>2020-07-12</a:t>
+              <a:t>2020-07-13</a:t>
             </a:fld>
             <a:endParaRPr lang="ko-KR" altLang="en-US"/>
           </a:p>
@@ -676,7 +676,7 @@
           <a:p>
             <a:fld id="{A7CD0BA5-2B16-40FD-AE34-696ED7A81F8D}" type="datetimeFigureOut">
               <a:rPr lang="ko-KR" altLang="en-US" smtClean="0"/>
-              <a:t>2020-07-12</a:t>
+              <a:t>2020-07-13</a:t>
             </a:fld>
             <a:endParaRPr lang="ko-KR" altLang="en-US"/>
           </a:p>
@@ -874,7 +874,7 @@
           <a:p>
             <a:fld id="{A7CD0BA5-2B16-40FD-AE34-696ED7A81F8D}" type="datetimeFigureOut">
               <a:rPr lang="ko-KR" altLang="en-US" smtClean="0"/>
-              <a:t>2020-07-12</a:t>
+              <a:t>2020-07-13</a:t>
             </a:fld>
             <a:endParaRPr lang="ko-KR" altLang="en-US"/>
           </a:p>
@@ -1149,7 +1149,7 @@
           <a:p>
             <a:fld id="{A7CD0BA5-2B16-40FD-AE34-696ED7A81F8D}" type="datetimeFigureOut">
               <a:rPr lang="ko-KR" altLang="en-US" smtClean="0"/>
-              <a:t>2020-07-12</a:t>
+              <a:t>2020-07-13</a:t>
             </a:fld>
             <a:endParaRPr lang="ko-KR" altLang="en-US"/>
           </a:p>
@@ -1414,7 +1414,7 @@
           <a:p>
             <a:fld id="{A7CD0BA5-2B16-40FD-AE34-696ED7A81F8D}" type="datetimeFigureOut">
               <a:rPr lang="ko-KR" altLang="en-US" smtClean="0"/>
-              <a:t>2020-07-12</a:t>
+              <a:t>2020-07-13</a:t>
             </a:fld>
             <a:endParaRPr lang="ko-KR" altLang="en-US"/>
           </a:p>
@@ -1826,7 +1826,7 @@
           <a:p>
             <a:fld id="{A7CD0BA5-2B16-40FD-AE34-696ED7A81F8D}" type="datetimeFigureOut">
               <a:rPr lang="ko-KR" altLang="en-US" smtClean="0"/>
-              <a:t>2020-07-12</a:t>
+              <a:t>2020-07-13</a:t>
             </a:fld>
             <a:endParaRPr lang="ko-KR" altLang="en-US"/>
           </a:p>
@@ -1967,7 +1967,7 @@
           <a:p>
             <a:fld id="{A7CD0BA5-2B16-40FD-AE34-696ED7A81F8D}" type="datetimeFigureOut">
               <a:rPr lang="ko-KR" altLang="en-US" smtClean="0"/>
-              <a:t>2020-07-12</a:t>
+              <a:t>2020-07-13</a:t>
             </a:fld>
             <a:endParaRPr lang="ko-KR" altLang="en-US"/>
           </a:p>
@@ -2080,7 +2080,7 @@
           <a:p>
             <a:fld id="{A7CD0BA5-2B16-40FD-AE34-696ED7A81F8D}" type="datetimeFigureOut">
               <a:rPr lang="ko-KR" altLang="en-US" smtClean="0"/>
-              <a:t>2020-07-12</a:t>
+              <a:t>2020-07-13</a:t>
             </a:fld>
             <a:endParaRPr lang="ko-KR" altLang="en-US"/>
           </a:p>
@@ -2391,7 +2391,7 @@
           <a:p>
             <a:fld id="{A7CD0BA5-2B16-40FD-AE34-696ED7A81F8D}" type="datetimeFigureOut">
               <a:rPr lang="ko-KR" altLang="en-US" smtClean="0"/>
-              <a:t>2020-07-12</a:t>
+              <a:t>2020-07-13</a:t>
             </a:fld>
             <a:endParaRPr lang="ko-KR" altLang="en-US"/>
           </a:p>
@@ -2679,7 +2679,7 @@
           <a:p>
             <a:fld id="{A7CD0BA5-2B16-40FD-AE34-696ED7A81F8D}" type="datetimeFigureOut">
               <a:rPr lang="ko-KR" altLang="en-US" smtClean="0"/>
-              <a:t>2020-07-12</a:t>
+              <a:t>2020-07-13</a:t>
             </a:fld>
             <a:endParaRPr lang="ko-KR" altLang="en-US"/>
           </a:p>
@@ -2920,7 +2920,7 @@
           <a:p>
             <a:fld id="{A7CD0BA5-2B16-40FD-AE34-696ED7A81F8D}" type="datetimeFigureOut">
               <a:rPr lang="ko-KR" altLang="en-US" smtClean="0"/>
-              <a:t>2020-07-12</a:t>
+              <a:t>2020-07-13</a:t>
             </a:fld>
             <a:endParaRPr lang="ko-KR" altLang="en-US"/>
           </a:p>
@@ -3352,7 +3352,7 @@
           <p:nvPr>
             <p:extLst>
               <p:ext uri="{D42A27DB-BD31-4B8C-83A1-F6EECF244321}">
-                <p14:modId xmlns:p14="http://schemas.microsoft.com/office/powerpoint/2010/main" val="3648191061"/>
+                <p14:modId xmlns:p14="http://schemas.microsoft.com/office/powerpoint/2010/main" val="582279575"/>
               </p:ext>
             </p:extLst>
           </p:nvPr>
@@ -3525,12 +3525,20 @@
                   </a:txBody>
                   <a:tcPr anchor="ctr"/>
                 </a:tc>
-                <a:tc>
+                <a:tc rowSpan="3">
                   <a:txBody>
                     <a:bodyPr/>
                     <a:lstStyle/>
                     <a:p>
                       <a:pPr algn="ctr" latinLnBrk="1"/>
+                      <a:r>
+                        <a:rPr lang="en-US" altLang="ko-KR" dirty="0" err="1"/>
+                        <a:t>L7</a:t>
+                      </a:r>
+                      <a:r>
+                        <a:rPr lang="en-US" altLang="ko-KR" dirty="0"/>
+                        <a:t>(Firewall)</a:t>
+                      </a:r>
                       <a:endParaRPr lang="ko-KR" altLang="en-US" dirty="0"/>
                     </a:p>
                   </a:txBody>
@@ -3623,7 +3631,7 @@
                   </a:txBody>
                   <a:tcPr anchor="ctr"/>
                 </a:tc>
-                <a:tc>
+                <a:tc vMerge="1">
                   <a:txBody>
                     <a:bodyPr/>
                     <a:lstStyle/>
@@ -3701,7 +3709,7 @@
                   </a:txBody>
                   <a:tcPr anchor="ctr"/>
                 </a:tc>
-                <a:tc>
+                <a:tc vMerge="1">
                   <a:txBody>
                     <a:bodyPr/>
                     <a:lstStyle/>
@@ -3785,6 +3793,14 @@
                     <a:lstStyle/>
                     <a:p>
                       <a:pPr algn="ctr" latinLnBrk="1"/>
+                      <a:r>
+                        <a:rPr lang="en-US" altLang="ko-KR" dirty="0" err="1"/>
+                        <a:t>L4</a:t>
+                      </a:r>
+                      <a:r>
+                        <a:rPr lang="en-US" altLang="ko-KR" dirty="0"/>
+                        <a:t>(NAT)</a:t>
+                      </a:r>
                       <a:endParaRPr lang="ko-KR" altLang="en-US" dirty="0"/>
                     </a:p>
                   </a:txBody>
@@ -3907,6 +3923,14 @@
                     <a:lstStyle/>
                     <a:p>
                       <a:pPr algn="ctr" latinLnBrk="1"/>
+                      <a:r>
+                        <a:rPr lang="en-US" altLang="ko-KR" dirty="0" err="1"/>
+                        <a:t>L3</a:t>
+                      </a:r>
+                      <a:r>
+                        <a:rPr lang="en-US" altLang="ko-KR" dirty="0"/>
+                        <a:t>(Router)</a:t>
+                      </a:r>
                       <a:endParaRPr lang="ko-KR" altLang="en-US" dirty="0"/>
                     </a:p>
                   </a:txBody>
@@ -4021,7 +4045,15 @@
                     <a:lstStyle/>
                     <a:p>
                       <a:pPr algn="ctr" latinLnBrk="1"/>
-                      <a:endParaRPr lang="ko-KR" altLang="en-US"/>
+                      <a:r>
+                        <a:rPr lang="en-US" altLang="ko-KR" dirty="0" err="1"/>
+                        <a:t>L2</a:t>
+                      </a:r>
+                      <a:r>
+                        <a:rPr lang="en-US" altLang="ko-KR" dirty="0"/>
+                        <a:t>(Switch)</a:t>
+                      </a:r>
+                      <a:endParaRPr lang="ko-KR" altLang="en-US" dirty="0"/>
                     </a:p>
                   </a:txBody>
                   <a:tcPr anchor="ctr"/>
@@ -4122,7 +4154,11 @@
                     <a:lstStyle/>
                     <a:p>
                       <a:pPr algn="ctr" latinLnBrk="1"/>
-                      <a:endParaRPr lang="ko-KR" altLang="en-US"/>
+                      <a:r>
+                        <a:rPr lang="en-US" altLang="ko-KR" dirty="0"/>
+                        <a:t>:</a:t>
+                      </a:r>
+                      <a:endParaRPr lang="ko-KR" altLang="en-US" dirty="0"/>
                     </a:p>
                   </a:txBody>
                   <a:tcPr anchor="ctr"/>
